--- a/presentations/2018-09 Tutorials/FHIR Terminology - Baltimore WGM 2018-10-03.pptx
+++ b/presentations/2018-09 Tutorials/FHIR Terminology - Baltimore WGM 2018-10-03.pptx
@@ -333,7 +333,7 @@
             <a:fld id="{F976BA0D-8F11-41A0-82B4-C647E2FAE447}" type="datetimeFigureOut">
               <a:rPr lang="en-CA" smtClean="0"/>
               <a:pPr/>
-              <a:t>2018-10-01</a:t>
+              <a:t>2018-10-02</a:t>
             </a:fld>
             <a:endParaRPr lang="en-CA"/>
           </a:p>
@@ -500,7 +500,7 @@
             <a:fld id="{10B9A41D-2C14-4FD9-A8FE-469DBFAB3809}" type="datetimeFigureOut">
               <a:rPr lang="en-CA" smtClean="0"/>
               <a:pPr/>
-              <a:t>2018-10-01</a:t>
+              <a:t>2018-10-02</a:t>
             </a:fld>
             <a:endParaRPr lang="en-CA"/>
           </a:p>
@@ -8732,7 +8732,7 @@
               <a:rPr lang="en-US" sz="2400" dirty="0">
                 <a:hlinkClick r:id="rId2"/>
               </a:rPr>
-              <a:t>https://github.com/FHIR/documents/blob/master/presentations/2018-09 Tutorials/FHIR Terminology.pptx</a:t>
+              <a:t>https://github.com/FHIR/documents/blob/master/presentations/2018-09%20Tutorials/FHIR%20Terminology%20-%20Baltimore%20WGM%202018-10-03.pptx</a:t>
             </a:r>
             <a:endParaRPr lang="en-US" sz="2400" dirty="0"/>
           </a:p>
@@ -9524,7 +9524,7 @@
             <a:effectLst/>
             <a:extLst>
               <a:ext uri="{AF507438-7753-43e0-B8FC-AC1667EBCBE1}">
-                <a14:hiddenEffects xmlns:a14="http://schemas.microsoft.com/office/drawing/2010/main" xmlns="">
+                <a14:hiddenEffects xmlns="" xmlns:a14="http://schemas.microsoft.com/office/drawing/2010/main">
                   <a:effectLst>
                     <a:outerShdw dist="35921" dir="2700000" algn="ctr" rotWithShape="0">
                       <a:schemeClr val="bg2"/>
@@ -9620,7 +9620,7 @@
             <a:effectLst/>
             <a:extLst>
               <a:ext uri="{AF507438-7753-43e0-B8FC-AC1667EBCBE1}">
-                <a14:hiddenEffects xmlns:a14="http://schemas.microsoft.com/office/drawing/2010/main" xmlns="">
+                <a14:hiddenEffects xmlns="" xmlns:a14="http://schemas.microsoft.com/office/drawing/2010/main">
                   <a:effectLst>
                     <a:outerShdw dist="35921" dir="2700000" algn="ctr" rotWithShape="0">
                       <a:schemeClr val="bg2"/>
@@ -9925,7 +9925,7 @@
           <a:effectLst/>
           <a:extLst>
             <a:ext uri="{AF507438-7753-43e0-B8FC-AC1667EBCBE1}">
-              <a14:hiddenEffects xmlns:a14="http://schemas.microsoft.com/office/drawing/2010/main" xmlns="">
+              <a14:hiddenEffects xmlns="" xmlns:a14="http://schemas.microsoft.com/office/drawing/2010/main">
                 <a:effectLst>
                   <a:outerShdw dist="35921" dir="2700000" algn="ctr" rotWithShape="0">
                     <a:schemeClr val="bg2"/>
